--- a/BackEnd/Angular 5 et SignalR.pptx
+++ b/BackEnd/Angular 5 et SignalR.pptx
@@ -142,7 +142,7 @@
 
 <file path=ppt/commentAuthors.xml><?xml version="1.0" encoding="utf-8"?>
 <p:cmAuthorLst xmlns:a="http://schemas.openxmlformats.org/drawingml/2006/main" xmlns:r="http://schemas.openxmlformats.org/officeDocument/2006/relationships" xmlns:p="http://schemas.openxmlformats.org/presentationml/2006/main">
-  <p:cmAuthor id="2" name="Auteur" initials="A" lastIdx="1" clrIdx="1"/>
+  <p:cmAuthor id="3" name="Author" initials="A" lastIdx="0" clrIdx="2"/>
 </p:cmAuthorLst>
 </file>
 
@@ -298,7 +298,7 @@
           <a:p>
             <a:fld id="{7BAE14B8-3CC9-472D-9BC5-A84D80684DE2}" type="slidenum">
               <a:rPr/>
-              <a:t>‹N°›</a:t>
+              <a:t>‹#›</a:t>
             </a:fld>
             <a:endParaRPr/>
           </a:p>
@@ -550,7 +550,7 @@
           <a:p>
             <a:fld id="{7FB667E1-E601-4AAF-B95C-B25720D70A60}" type="slidenum">
               <a:rPr/>
-              <a:t>‹N°›</a:t>
+              <a:t>‹#›</a:t>
             </a:fld>
             <a:endParaRPr/>
           </a:p>
@@ -1545,7 +1545,7 @@
           <a:p>
             <a:fld id="{CA8D9AD5-F248-4919-864A-CFD76CC027D6}" type="slidenum">
               <a:rPr/>
-              <a:t>‹N°›</a:t>
+              <a:t>‹#›</a:t>
             </a:fld>
             <a:endParaRPr/>
           </a:p>
@@ -1737,7 +1737,7 @@
           <a:p>
             <a:fld id="{CA8D9AD5-F248-4919-864A-CFD76CC027D6}" type="slidenum">
               <a:rPr/>
-              <a:t>‹N°›</a:t>
+              <a:t>‹#›</a:t>
             </a:fld>
             <a:endParaRPr/>
           </a:p>
@@ -1919,7 +1919,7 @@
           <a:p>
             <a:fld id="{CA8D9AD5-F248-4919-864A-CFD76CC027D6}" type="slidenum">
               <a:rPr/>
-              <a:t>‹N°›</a:t>
+              <a:t>‹#›</a:t>
             </a:fld>
             <a:endParaRPr/>
           </a:p>
@@ -2359,7 +2359,7 @@
           <a:p>
             <a:fld id="{CA8D9AD5-F248-4919-864A-CFD76CC027D6}" type="slidenum">
               <a:rPr/>
-              <a:t>‹N°›</a:t>
+              <a:t>‹#›</a:t>
             </a:fld>
             <a:endParaRPr/>
           </a:p>
@@ -2823,7 +2823,7 @@
           <a:p>
             <a:fld id="{0D06EF73-9DB8-4763-865F-2F88181A4732}" type="slidenum">
               <a:rPr/>
-              <a:t>‹N°›</a:t>
+              <a:t>‹#›</a:t>
             </a:fld>
             <a:endParaRPr/>
           </a:p>
@@ -3267,7 +3267,7 @@
           <a:p>
             <a:fld id="{CA8D9AD5-F248-4919-864A-CFD76CC027D6}" type="slidenum">
               <a:rPr/>
-              <a:t>‹N°›</a:t>
+              <a:t>‹#›</a:t>
             </a:fld>
             <a:endParaRPr/>
           </a:p>
@@ -3397,7 +3397,7 @@
           <a:p>
             <a:fld id="{CA8D9AD5-F248-4919-864A-CFD76CC027D6}" type="slidenum">
               <a:rPr/>
-              <a:t>‹N°›</a:t>
+              <a:t>‹#›</a:t>
             </a:fld>
             <a:endParaRPr/>
           </a:p>
@@ -3615,7 +3615,7 @@
           <a:p>
             <a:fld id="{CA8D9AD5-F248-4919-864A-CFD76CC027D6}" type="slidenum">
               <a:rPr/>
-              <a:t>‹N°›</a:t>
+              <a:t>‹#›</a:t>
             </a:fld>
             <a:endParaRPr/>
           </a:p>
@@ -4135,7 +4135,7 @@
           <a:p>
             <a:fld id="{CA8D9AD5-F248-4919-864A-CFD76CC027D6}" type="slidenum">
               <a:rPr/>
-              <a:t>‹N°›</a:t>
+              <a:t>‹#›</a:t>
             </a:fld>
             <a:endParaRPr/>
           </a:p>
@@ -4534,7 +4534,7 @@
           <a:p>
             <a:fld id="{CA8D9AD5-F248-4919-864A-CFD76CC027D6}" type="slidenum">
               <a:rPr/>
-              <a:t>‹N°›</a:t>
+              <a:t>‹#›</a:t>
             </a:fld>
             <a:endParaRPr/>
           </a:p>
@@ -5409,7 +5409,7 @@
             <a:fld id="{CA8D9AD5-F248-4919-864A-CFD76CC027D6}" type="slidenum">
               <a:rPr/>
               <a:pPr/>
-              <a:t>‹N°›</a:t>
+              <a:t>‹#›</a:t>
             </a:fld>
             <a:endParaRPr/>
           </a:p>
@@ -5848,7 +5848,27 @@
                 <a:latin typeface="Segoe UI" panose="020B0502040204020203" pitchFamily="34" charset="0"/>
                 <a:cs typeface="Segoe UI" panose="020B0502040204020203" pitchFamily="34" charset="0"/>
               </a:rPr>
-              <a:t>Angular 5 et SignalR Core – cas concret d’utilisation avec Google Charts</a:t>
+              <a:t>Angular 5 et SignalR Core </a:t>
+            </a:r>
+            <a:br>
+              <a:rPr lang="fr-FR" noProof="1">
+                <a:latin typeface="Segoe UI" panose="020B0502040204020203" pitchFamily="34" charset="0"/>
+                <a:cs typeface="Segoe UI" panose="020B0502040204020203" pitchFamily="34" charset="0"/>
+              </a:rPr>
+            </a:br>
+            <a:r>
+              <a:rPr lang="fr-FR" noProof="1">
+                <a:latin typeface="Segoe UI" panose="020B0502040204020203" pitchFamily="34" charset="0"/>
+                <a:cs typeface="Segoe UI" panose="020B0502040204020203" pitchFamily="34" charset="0"/>
+              </a:rPr>
+              <a:t> </a:t>
+            </a:r>
+            <a:r>
+              <a:rPr lang="fr-FR" sz="4800" noProof="1">
+                <a:latin typeface="Segoe UI" panose="020B0502040204020203" pitchFamily="34" charset="0"/>
+                <a:cs typeface="Segoe UI" panose="020B0502040204020203" pitchFamily="34" charset="0"/>
+              </a:rPr>
+              <a:t>Cas concret d’utilisation avec Google Charts</a:t>
             </a:r>
           </a:p>
         </p:txBody>

--- a/BackEnd/Angular 5 et SignalR.pptx
+++ b/BackEnd/Angular 5 et SignalR.pptx
@@ -5,10 +5,10 @@
     <p:sldMasterId id="2147483648" r:id="rId2"/>
   </p:sldMasterIdLst>
   <p:notesMasterIdLst>
-    <p:notesMasterId r:id="rId12"/>
+    <p:notesMasterId r:id="rId15"/>
   </p:notesMasterIdLst>
   <p:handoutMasterIdLst>
-    <p:handoutMasterId r:id="rId13"/>
+    <p:handoutMasterId r:id="rId16"/>
   </p:handoutMasterIdLst>
   <p:sldIdLst>
     <p:sldId id="273" r:id="rId3"/>
@@ -20,6 +20,9 @@
     <p:sldId id="279" r:id="rId9"/>
     <p:sldId id="280" r:id="rId10"/>
     <p:sldId id="281" r:id="rId11"/>
+    <p:sldId id="282" r:id="rId12"/>
+    <p:sldId id="283" r:id="rId13"/>
+    <p:sldId id="284" r:id="rId14"/>
   </p:sldIdLst>
   <p:sldSz cx="12192000" cy="6858000"/>
   <p:notesSz cx="6858000" cy="9144000"/>
@@ -232,7 +235,7 @@
           <a:p>
             <a:fld id="{20EA5F0D-C1DC-412F-A146-DDB3A74B588F}" type="datetimeFigureOut">
               <a:rPr lang="en-US"/>
-              <a:t>1/7/2018</a:t>
+              <a:t>1/8/2018</a:t>
             </a:fld>
             <a:endParaRPr/>
           </a:p>
@@ -397,7 +400,7 @@
           <a:p>
             <a:fld id="{A8CDE508-72C8-4AB5-AA9C-1584D31690E0}" type="datetimeFigureOut">
               <a:rPr lang="en-US"/>
-              <a:t>1/7/2018</a:t>
+              <a:t>1/8/2018</a:t>
             </a:fld>
             <a:endParaRPr/>
           </a:p>
@@ -1503,7 +1506,7 @@
           <a:p>
             <a:fld id="{9E583DDF-CA54-461A-A486-592D2374C532}" type="datetimeFigureOut">
               <a:rPr lang="fr-FR"/>
-              <a:t>07/01/2018</a:t>
+              <a:t>08/01/2018</a:t>
             </a:fld>
             <a:endParaRPr/>
           </a:p>
@@ -1695,7 +1698,7 @@
           <a:p>
             <a:fld id="{9E583DDF-CA54-461A-A486-592D2374C532}" type="datetimeFigureOut">
               <a:rPr lang="fr-FR"/>
-              <a:t>07/01/2018</a:t>
+              <a:t>08/01/2018</a:t>
             </a:fld>
             <a:endParaRPr/>
           </a:p>
@@ -1877,7 +1880,7 @@
           <a:p>
             <a:fld id="{9E583DDF-CA54-461A-A486-592D2374C532}" type="datetimeFigureOut">
               <a:rPr lang="fr-FR"/>
-              <a:t>07/01/2018</a:t>
+              <a:t>08/01/2018</a:t>
             </a:fld>
             <a:endParaRPr/>
           </a:p>
@@ -2317,7 +2320,7 @@
           <a:p>
             <a:fld id="{9E583DDF-CA54-461A-A486-592D2374C532}" type="datetimeFigureOut">
               <a:rPr lang="fr-FR"/>
-              <a:t>07/01/2018</a:t>
+              <a:t>08/01/2018</a:t>
             </a:fld>
             <a:endParaRPr/>
           </a:p>
@@ -2781,7 +2784,7 @@
           <a:p>
             <a:fld id="{0A879FD0-C37A-4F50-8F3B-5FA0D9D0B42F}" type="datetimeFigureOut">
               <a:rPr lang="fr-FR"/>
-              <a:t>07/01/2018</a:t>
+              <a:t>08/01/2018</a:t>
             </a:fld>
             <a:endParaRPr/>
           </a:p>
@@ -3225,7 +3228,7 @@
           <a:p>
             <a:fld id="{9E583DDF-CA54-461A-A486-592D2374C532}" type="datetimeFigureOut">
               <a:rPr lang="fr-FR"/>
-              <a:t>07/01/2018</a:t>
+              <a:t>08/01/2018</a:t>
             </a:fld>
             <a:endParaRPr/>
           </a:p>
@@ -3355,7 +3358,7 @@
           <a:p>
             <a:fld id="{9E583DDF-CA54-461A-A486-592D2374C532}" type="datetimeFigureOut">
               <a:rPr lang="fr-FR"/>
-              <a:t>07/01/2018</a:t>
+              <a:t>08/01/2018</a:t>
             </a:fld>
             <a:endParaRPr/>
           </a:p>
@@ -3573,7 +3576,7 @@
           <a:p>
             <a:fld id="{9E583DDF-CA54-461A-A486-592D2374C532}" type="datetimeFigureOut">
               <a:rPr lang="fr-FR"/>
-              <a:t>07/01/2018</a:t>
+              <a:t>08/01/2018</a:t>
             </a:fld>
             <a:endParaRPr/>
           </a:p>
@@ -4093,7 +4096,7 @@
           <a:p>
             <a:fld id="{9E583DDF-CA54-461A-A486-592D2374C532}" type="datetimeFigureOut">
               <a:rPr lang="fr-FR"/>
-              <a:t>07/01/2018</a:t>
+              <a:t>08/01/2018</a:t>
             </a:fld>
             <a:endParaRPr/>
           </a:p>
@@ -4492,7 +4495,7 @@
           <a:p>
             <a:fld id="{9E583DDF-CA54-461A-A486-592D2374C532}" type="datetimeFigureOut">
               <a:rPr lang="fr-FR"/>
-              <a:t>07/01/2018</a:t>
+              <a:t>08/01/2018</a:t>
             </a:fld>
             <a:endParaRPr/>
           </a:p>
@@ -5334,7 +5337,7 @@
             <a:fld id="{9E583DDF-CA54-461A-A486-592D2374C532}" type="datetimeFigureOut">
               <a:rPr lang="fr-FR"/>
               <a:pPr/>
-              <a:t>07/01/2018</a:t>
+              <a:t>08/01/2018</a:t>
             </a:fld>
             <a:endParaRPr/>
           </a:p>
@@ -5971,6 +5974,971 @@
     <p:extLst>
       <p:ext uri="{BB962C8B-B14F-4D97-AF65-F5344CB8AC3E}">
         <p14:creationId xmlns:p14="http://schemas.microsoft.com/office/powerpoint/2010/main" val="2104874963"/>
+      </p:ext>
+    </p:extLst>
+  </p:cSld>
+  <p:clrMapOvr>
+    <a:masterClrMapping/>
+  </p:clrMapOvr>
+  <mc:AlternateContent xmlns:mc="http://schemas.openxmlformats.org/markup-compatibility/2006" xmlns:p14="http://schemas.microsoft.com/office/powerpoint/2010/main">
+    <mc:Choice Requires="p14">
+      <p:transition spd="med" p14:dur="700">
+        <p:fade/>
+      </p:transition>
+    </mc:Choice>
+    <mc:Fallback xmlns="">
+      <p:transition spd="med">
+        <p:fade/>
+      </p:transition>
+    </mc:Fallback>
+  </mc:AlternateContent>
+</p:sld>
+</file>
+
+<file path=ppt/slides/slide10.xml><?xml version="1.0" encoding="utf-8"?>
+<p:sld xmlns:a="http://schemas.openxmlformats.org/drawingml/2006/main" xmlns:r="http://schemas.openxmlformats.org/officeDocument/2006/relationships" xmlns:p="http://schemas.openxmlformats.org/presentationml/2006/main">
+  <p:cSld>
+    <p:spTree>
+      <p:nvGrpSpPr>
+        <p:cNvPr id="1" name=""/>
+        <p:cNvGrpSpPr/>
+        <p:nvPr/>
+      </p:nvGrpSpPr>
+      <p:grpSpPr>
+        <a:xfrm>
+          <a:off x="0" y="0"/>
+          <a:ext cx="0" cy="0"/>
+          <a:chOff x="0" y="0"/>
+          <a:chExt cx="0" cy="0"/>
+        </a:xfrm>
+      </p:grpSpPr>
+      <p:sp>
+        <p:nvSpPr>
+          <p:cNvPr id="2" name="Titre 1"/>
+          <p:cNvSpPr>
+            <a:spLocks noGrp="1"/>
+          </p:cNvSpPr>
+          <p:nvPr>
+            <p:ph type="title"/>
+          </p:nvPr>
+        </p:nvSpPr>
+        <p:spPr>
+          <a:xfrm>
+            <a:off x="1341120" y="791249"/>
+            <a:ext cx="9509760" cy="567767"/>
+          </a:xfrm>
+        </p:spPr>
+        <p:txBody>
+          <a:bodyPr>
+            <a:normAutofit/>
+          </a:bodyPr>
+          <a:lstStyle/>
+          <a:p>
+            <a:r>
+              <a:rPr lang="fr-CA" dirty="0" err="1">
+                <a:latin typeface="Segoe UI" panose="020B0502040204020203" pitchFamily="34" charset="0"/>
+                <a:cs typeface="Segoe UI" panose="020B0502040204020203" pitchFamily="34" charset="0"/>
+              </a:rPr>
+              <a:t>Overview</a:t>
+            </a:r>
+            <a:r>
+              <a:rPr lang="fr-CA" dirty="0">
+                <a:latin typeface="Segoe UI" panose="020B0502040204020203" pitchFamily="34" charset="0"/>
+                <a:cs typeface="Segoe UI" panose="020B0502040204020203" pitchFamily="34" charset="0"/>
+              </a:rPr>
+              <a:t> du frontend</a:t>
+            </a:r>
+            <a:endParaRPr lang="fr-FR" dirty="0">
+              <a:latin typeface="Segoe UI" panose="020B0502040204020203" pitchFamily="34" charset="0"/>
+              <a:cs typeface="Segoe UI" panose="020B0502040204020203" pitchFamily="34" charset="0"/>
+            </a:endParaRPr>
+          </a:p>
+        </p:txBody>
+      </p:sp>
+      <p:sp>
+        <p:nvSpPr>
+          <p:cNvPr id="5" name="Espace réservé du contenu 2"/>
+          <p:cNvSpPr>
+            <a:spLocks noGrp="1"/>
+          </p:cNvSpPr>
+          <p:nvPr>
+            <p:ph idx="1"/>
+          </p:nvPr>
+        </p:nvSpPr>
+        <p:spPr>
+          <a:xfrm>
+            <a:off x="1341120" y="1433654"/>
+            <a:ext cx="9509760" cy="4798469"/>
+          </a:xfrm>
+        </p:spPr>
+        <p:txBody>
+          <a:bodyPr>
+            <a:normAutofit/>
+          </a:bodyPr>
+          <a:lstStyle/>
+          <a:p>
+            <a:pPr marL="45720" indent="0">
+              <a:buNone/>
+            </a:pPr>
+            <a:endParaRPr lang="fr-CA" sz="1800" dirty="0">
+              <a:latin typeface="Segoe UI" panose="020B0502040204020203" pitchFamily="34" charset="0"/>
+              <a:cs typeface="Segoe UI" panose="020B0502040204020203" pitchFamily="34" charset="0"/>
+            </a:endParaRPr>
+          </a:p>
+          <a:p>
+            <a:pPr>
+              <a:buFont typeface="Wingdings" panose="05000000000000000000" pitchFamily="2" charset="2"/>
+              <a:buChar char="Ø"/>
+            </a:pPr>
+            <a:r>
+              <a:rPr lang="fr-FR" i="1" dirty="0">
+                <a:latin typeface="Segoe UI" panose="020B0502040204020203" pitchFamily="34" charset="0"/>
+                <a:cs typeface="Segoe UI" panose="020B0502040204020203" pitchFamily="34" charset="0"/>
+              </a:rPr>
+              <a:t>Le Component principal</a:t>
+            </a:r>
+            <a:r>
+              <a:rPr lang="fr-FR" dirty="0">
+                <a:latin typeface="Segoe UI" panose="020B0502040204020203" pitchFamily="34" charset="0"/>
+                <a:cs typeface="Segoe UI" panose="020B0502040204020203" pitchFamily="34" charset="0"/>
+              </a:rPr>
+              <a:t> </a:t>
+            </a:r>
+            <a:r>
+              <a:rPr lang="fr-FR" b="1" dirty="0">
+                <a:latin typeface="Segoe UI" panose="020B0502040204020203" pitchFamily="34" charset="0"/>
+                <a:cs typeface="Segoe UI" panose="020B0502040204020203" pitchFamily="34" charset="0"/>
+              </a:rPr>
+              <a:t>(</a:t>
+            </a:r>
+            <a:r>
+              <a:rPr lang="fr-FR" b="1" dirty="0" err="1">
+                <a:latin typeface="Segoe UI" panose="020B0502040204020203" pitchFamily="34" charset="0"/>
+                <a:cs typeface="Segoe UI" panose="020B0502040204020203" pitchFamily="34" charset="0"/>
+              </a:rPr>
+              <a:t>app.component.ts</a:t>
+            </a:r>
+            <a:r>
+              <a:rPr lang="fr-FR" b="1" dirty="0">
+                <a:latin typeface="Segoe UI" panose="020B0502040204020203" pitchFamily="34" charset="0"/>
+                <a:cs typeface="Segoe UI" panose="020B0502040204020203" pitchFamily="34" charset="0"/>
+              </a:rPr>
+              <a:t>, html et </a:t>
+            </a:r>
+            <a:r>
+              <a:rPr lang="fr-FR" b="1" dirty="0" err="1">
+                <a:latin typeface="Segoe UI" panose="020B0502040204020203" pitchFamily="34" charset="0"/>
+                <a:cs typeface="Segoe UI" panose="020B0502040204020203" pitchFamily="34" charset="0"/>
+              </a:rPr>
+              <a:t>css</a:t>
+            </a:r>
+            <a:r>
+              <a:rPr lang="fr-FR" b="1" dirty="0">
+                <a:latin typeface="Segoe UI" panose="020B0502040204020203" pitchFamily="34" charset="0"/>
+                <a:cs typeface="Segoe UI" panose="020B0502040204020203" pitchFamily="34" charset="0"/>
+              </a:rPr>
+              <a:t>)</a:t>
+            </a:r>
+          </a:p>
+          <a:p>
+            <a:pPr>
+              <a:buFont typeface="Wingdings" panose="05000000000000000000" pitchFamily="2" charset="2"/>
+              <a:buChar char="Ø"/>
+            </a:pPr>
+            <a:r>
+              <a:rPr lang="fr-FR" i="1" dirty="0">
+                <a:latin typeface="Segoe UI" panose="020B0502040204020203" pitchFamily="34" charset="0"/>
+                <a:cs typeface="Segoe UI" panose="020B0502040204020203" pitchFamily="34" charset="0"/>
+              </a:rPr>
+              <a:t>Le Component Gauge</a:t>
+            </a:r>
+            <a:r>
+              <a:rPr lang="fr-FR" dirty="0">
+                <a:latin typeface="Segoe UI" panose="020B0502040204020203" pitchFamily="34" charset="0"/>
+                <a:cs typeface="Segoe UI" panose="020B0502040204020203" pitchFamily="34" charset="0"/>
+              </a:rPr>
+              <a:t> </a:t>
+            </a:r>
+            <a:r>
+              <a:rPr lang="fr-FR" b="1" dirty="0">
+                <a:latin typeface="Segoe UI" panose="020B0502040204020203" pitchFamily="34" charset="0"/>
+                <a:cs typeface="Segoe UI" panose="020B0502040204020203" pitchFamily="34" charset="0"/>
+              </a:rPr>
+              <a:t>(</a:t>
+            </a:r>
+            <a:r>
+              <a:rPr lang="fr-FR" b="1" dirty="0" err="1">
+                <a:latin typeface="Segoe UI" panose="020B0502040204020203" pitchFamily="34" charset="0"/>
+                <a:cs typeface="Segoe UI" panose="020B0502040204020203" pitchFamily="34" charset="0"/>
+              </a:rPr>
+              <a:t>gaugeschart.component.ts</a:t>
+            </a:r>
+            <a:r>
+              <a:rPr lang="fr-FR" b="1" dirty="0">
+                <a:latin typeface="Segoe UI" panose="020B0502040204020203" pitchFamily="34" charset="0"/>
+                <a:cs typeface="Segoe UI" panose="020B0502040204020203" pitchFamily="34" charset="0"/>
+              </a:rPr>
+              <a:t> et html)</a:t>
+            </a:r>
+          </a:p>
+          <a:p>
+            <a:pPr>
+              <a:buFont typeface="Wingdings" panose="05000000000000000000" pitchFamily="2" charset="2"/>
+              <a:buChar char="Ø"/>
+            </a:pPr>
+            <a:r>
+              <a:rPr lang="fr-FR" i="1" dirty="0">
+                <a:latin typeface="Segoe UI" panose="020B0502040204020203" pitchFamily="34" charset="0"/>
+                <a:cs typeface="Segoe UI" panose="020B0502040204020203" pitchFamily="34" charset="0"/>
+              </a:rPr>
+              <a:t>Le service de Google Charts principal</a:t>
+            </a:r>
+            <a:r>
+              <a:rPr lang="fr-FR" dirty="0">
+                <a:latin typeface="Segoe UI" panose="020B0502040204020203" pitchFamily="34" charset="0"/>
+                <a:cs typeface="Segoe UI" panose="020B0502040204020203" pitchFamily="34" charset="0"/>
+              </a:rPr>
+              <a:t> </a:t>
+            </a:r>
+            <a:r>
+              <a:rPr lang="fr-FR" sz="1600" b="1" dirty="0">
+                <a:latin typeface="Segoe UI" panose="020B0502040204020203" pitchFamily="34" charset="0"/>
+                <a:cs typeface="Segoe UI" panose="020B0502040204020203" pitchFamily="34" charset="0"/>
+              </a:rPr>
+              <a:t>(google-</a:t>
+            </a:r>
+            <a:r>
+              <a:rPr lang="fr-FR" sz="1600" b="1" dirty="0" err="1">
+                <a:latin typeface="Segoe UI" panose="020B0502040204020203" pitchFamily="34" charset="0"/>
+                <a:cs typeface="Segoe UI" panose="020B0502040204020203" pitchFamily="34" charset="0"/>
+              </a:rPr>
+              <a:t>charts.base.service.ts</a:t>
+            </a:r>
+            <a:r>
+              <a:rPr lang="fr-FR" sz="1600" b="1" dirty="0">
+                <a:latin typeface="Segoe UI" panose="020B0502040204020203" pitchFamily="34" charset="0"/>
+                <a:cs typeface="Segoe UI" panose="020B0502040204020203" pitchFamily="34" charset="0"/>
+              </a:rPr>
+              <a:t>)</a:t>
+            </a:r>
+          </a:p>
+          <a:p>
+            <a:pPr>
+              <a:buFont typeface="Wingdings" panose="05000000000000000000" pitchFamily="2" charset="2"/>
+              <a:buChar char="Ø"/>
+            </a:pPr>
+            <a:r>
+              <a:rPr lang="fr-FR" i="1" dirty="0">
+                <a:latin typeface="Segoe UI" panose="020B0502040204020203" pitchFamily="34" charset="0"/>
+                <a:cs typeface="Segoe UI" panose="020B0502040204020203" pitchFamily="34" charset="0"/>
+              </a:rPr>
+              <a:t>Le service de Gauge Charts </a:t>
+            </a:r>
+            <a:r>
+              <a:rPr lang="fr-FR" b="1" dirty="0">
+                <a:latin typeface="Segoe UI" panose="020B0502040204020203" pitchFamily="34" charset="0"/>
+                <a:cs typeface="Segoe UI" panose="020B0502040204020203" pitchFamily="34" charset="0"/>
+              </a:rPr>
+              <a:t>(google-gauges-</a:t>
+            </a:r>
+            <a:r>
+              <a:rPr lang="fr-FR" b="1" dirty="0" err="1">
+                <a:latin typeface="Segoe UI" panose="020B0502040204020203" pitchFamily="34" charset="0"/>
+                <a:cs typeface="Segoe UI" panose="020B0502040204020203" pitchFamily="34" charset="0"/>
+              </a:rPr>
+              <a:t>chart.service.ts</a:t>
+            </a:r>
+            <a:r>
+              <a:rPr lang="fr-FR" b="1" dirty="0">
+                <a:latin typeface="Segoe UI" panose="020B0502040204020203" pitchFamily="34" charset="0"/>
+                <a:cs typeface="Segoe UI" panose="020B0502040204020203" pitchFamily="34" charset="0"/>
+              </a:rPr>
+              <a:t>)</a:t>
+            </a:r>
+          </a:p>
+          <a:p>
+            <a:pPr>
+              <a:buFont typeface="Wingdings" panose="05000000000000000000" pitchFamily="2" charset="2"/>
+              <a:buChar char="Ø"/>
+            </a:pPr>
+            <a:r>
+              <a:rPr lang="fr-FR" i="1" dirty="0">
+                <a:latin typeface="Segoe UI" panose="020B0502040204020203" pitchFamily="34" charset="0"/>
+                <a:cs typeface="Segoe UI" panose="020B0502040204020203" pitchFamily="34" charset="0"/>
+              </a:rPr>
+              <a:t>Le module de d</a:t>
+            </a:r>
+            <a:r>
+              <a:rPr lang="en-US" i="1" dirty="0">
+                <a:latin typeface="Segoe UI" panose="020B0502040204020203" pitchFamily="34" charset="0"/>
+                <a:cs typeface="Segoe UI" panose="020B0502040204020203" pitchFamily="34" charset="0"/>
+              </a:rPr>
+              <a:t>é</a:t>
+            </a:r>
+            <a:r>
+              <a:rPr lang="fr-FR" i="1" dirty="0" err="1">
+                <a:latin typeface="Segoe UI" panose="020B0502040204020203" pitchFamily="34" charset="0"/>
+                <a:cs typeface="Segoe UI" panose="020B0502040204020203" pitchFamily="34" charset="0"/>
+              </a:rPr>
+              <a:t>marrage</a:t>
+            </a:r>
+            <a:r>
+              <a:rPr lang="fr-FR" i="1" dirty="0">
+                <a:latin typeface="Segoe UI" panose="020B0502040204020203" pitchFamily="34" charset="0"/>
+                <a:cs typeface="Segoe UI" panose="020B0502040204020203" pitchFamily="34" charset="0"/>
+              </a:rPr>
+              <a:t> </a:t>
+            </a:r>
+            <a:r>
+              <a:rPr lang="fr-FR" b="1" dirty="0">
+                <a:latin typeface="Segoe UI" panose="020B0502040204020203" pitchFamily="34" charset="0"/>
+                <a:cs typeface="Segoe UI" panose="020B0502040204020203" pitchFamily="34" charset="0"/>
+              </a:rPr>
+              <a:t>(google-gauges-</a:t>
+            </a:r>
+            <a:r>
+              <a:rPr lang="fr-FR" b="1" dirty="0" err="1">
+                <a:latin typeface="Segoe UI" panose="020B0502040204020203" pitchFamily="34" charset="0"/>
+                <a:cs typeface="Segoe UI" panose="020B0502040204020203" pitchFamily="34" charset="0"/>
+              </a:rPr>
+              <a:t>chart.service.ts</a:t>
+            </a:r>
+            <a:r>
+              <a:rPr lang="fr-FR" b="1" dirty="0">
+                <a:latin typeface="Segoe UI" panose="020B0502040204020203" pitchFamily="34" charset="0"/>
+                <a:cs typeface="Segoe UI" panose="020B0502040204020203" pitchFamily="34" charset="0"/>
+              </a:rPr>
+              <a:t>)</a:t>
+            </a:r>
+          </a:p>
+          <a:p>
+            <a:pPr>
+              <a:buFont typeface="Wingdings" panose="05000000000000000000" pitchFamily="2" charset="2"/>
+              <a:buChar char="Ø"/>
+            </a:pPr>
+            <a:r>
+              <a:rPr lang="fr-FR" i="1" dirty="0">
+                <a:latin typeface="Segoe UI" panose="020B0502040204020203" pitchFamily="34" charset="0"/>
+                <a:cs typeface="Segoe UI" panose="020B0502040204020203" pitchFamily="34" charset="0"/>
+              </a:rPr>
+              <a:t>Les fichiers de configuration </a:t>
+            </a:r>
+            <a:r>
+              <a:rPr lang="fr-FR" b="1" dirty="0">
+                <a:latin typeface="Segoe UI" panose="020B0502040204020203" pitchFamily="34" charset="0"/>
+                <a:cs typeface="Segoe UI" panose="020B0502040204020203" pitchFamily="34" charset="0"/>
+              </a:rPr>
+              <a:t>(</a:t>
+            </a:r>
+            <a:r>
+              <a:rPr lang="fr-FR" b="1" dirty="0" err="1">
+                <a:latin typeface="Segoe UI" panose="020B0502040204020203" pitchFamily="34" charset="0"/>
+                <a:cs typeface="Segoe UI" panose="020B0502040204020203" pitchFamily="34" charset="0"/>
+              </a:rPr>
+              <a:t>enviroment.ts</a:t>
+            </a:r>
+            <a:r>
+              <a:rPr lang="fr-FR" b="1" dirty="0">
+                <a:latin typeface="Segoe UI" panose="020B0502040204020203" pitchFamily="34" charset="0"/>
+                <a:cs typeface="Segoe UI" panose="020B0502040204020203" pitchFamily="34" charset="0"/>
+              </a:rPr>
+              <a:t>, </a:t>
+            </a:r>
+            <a:r>
+              <a:rPr lang="fr-FR" b="1" dirty="0" err="1">
+                <a:latin typeface="Segoe UI" panose="020B0502040204020203" pitchFamily="34" charset="0"/>
+                <a:cs typeface="Segoe UI" panose="020B0502040204020203" pitchFamily="34" charset="0"/>
+              </a:rPr>
+              <a:t>prod.ts</a:t>
+            </a:r>
+            <a:r>
+              <a:rPr lang="fr-FR" b="1" dirty="0">
+                <a:latin typeface="Segoe UI" panose="020B0502040204020203" pitchFamily="34" charset="0"/>
+                <a:cs typeface="Segoe UI" panose="020B0502040204020203" pitchFamily="34" charset="0"/>
+              </a:rPr>
+              <a:t>….)</a:t>
+            </a:r>
+          </a:p>
+          <a:p>
+            <a:pPr>
+              <a:buFont typeface="Wingdings" panose="05000000000000000000" pitchFamily="2" charset="2"/>
+              <a:buChar char="Ø"/>
+            </a:pPr>
+            <a:r>
+              <a:rPr lang="fr-FR" i="1" dirty="0">
+                <a:latin typeface="Segoe UI" panose="020B0502040204020203" pitchFamily="34" charset="0"/>
+                <a:cs typeface="Segoe UI" panose="020B0502040204020203" pitchFamily="34" charset="0"/>
+              </a:rPr>
+              <a:t>Tout le reste installe par le </a:t>
+            </a:r>
+            <a:r>
+              <a:rPr lang="fr-FR" i="1" dirty="0" err="1">
+                <a:latin typeface="Segoe UI" panose="020B0502040204020203" pitchFamily="34" charset="0"/>
+                <a:cs typeface="Segoe UI" panose="020B0502040204020203" pitchFamily="34" charset="0"/>
+              </a:rPr>
+              <a:t>framework</a:t>
+            </a:r>
+            <a:endParaRPr lang="fr-FR" b="1" dirty="0">
+              <a:latin typeface="Segoe UI" panose="020B0502040204020203" pitchFamily="34" charset="0"/>
+              <a:cs typeface="Segoe UI" panose="020B0502040204020203" pitchFamily="34" charset="0"/>
+            </a:endParaRPr>
+          </a:p>
+          <a:p>
+            <a:pPr>
+              <a:buFont typeface="Wingdings" panose="05000000000000000000" pitchFamily="2" charset="2"/>
+              <a:buChar char="Ø"/>
+            </a:pPr>
+            <a:endParaRPr lang="fr-FR" b="1" dirty="0">
+              <a:latin typeface="Segoe UI" panose="020B0502040204020203" pitchFamily="34" charset="0"/>
+              <a:cs typeface="Segoe UI" panose="020B0502040204020203" pitchFamily="34" charset="0"/>
+            </a:endParaRPr>
+          </a:p>
+          <a:p>
+            <a:pPr>
+              <a:buFont typeface="Wingdings" panose="05000000000000000000" pitchFamily="2" charset="2"/>
+              <a:buChar char="Ø"/>
+            </a:pPr>
+            <a:endParaRPr lang="fr-FR" b="1" dirty="0">
+              <a:latin typeface="Segoe UI" panose="020B0502040204020203" pitchFamily="34" charset="0"/>
+              <a:cs typeface="Segoe UI" panose="020B0502040204020203" pitchFamily="34" charset="0"/>
+            </a:endParaRPr>
+          </a:p>
+          <a:p>
+            <a:pPr>
+              <a:buFont typeface="Wingdings" panose="05000000000000000000" pitchFamily="2" charset="2"/>
+              <a:buChar char="Ø"/>
+            </a:pPr>
+            <a:endParaRPr lang="fr-FR" b="1" dirty="0">
+              <a:latin typeface="Segoe UI" panose="020B0502040204020203" pitchFamily="34" charset="0"/>
+              <a:cs typeface="Segoe UI" panose="020B0502040204020203" pitchFamily="34" charset="0"/>
+            </a:endParaRPr>
+          </a:p>
+          <a:p>
+            <a:pPr marL="365760" lvl="1" indent="0">
+              <a:buNone/>
+            </a:pPr>
+            <a:endParaRPr lang="en-US" dirty="0">
+              <a:latin typeface="Segoe UI" panose="020B0502040204020203" pitchFamily="34" charset="0"/>
+              <a:cs typeface="Segoe UI" panose="020B0502040204020203" pitchFamily="34" charset="0"/>
+            </a:endParaRPr>
+          </a:p>
+          <a:p>
+            <a:pPr lvl="1">
+              <a:buFont typeface="Wingdings" panose="05000000000000000000" pitchFamily="2" charset="2"/>
+              <a:buChar char="Ø"/>
+            </a:pPr>
+            <a:endParaRPr lang="en-US" dirty="0">
+              <a:latin typeface="Segoe UI" panose="020B0502040204020203" pitchFamily="34" charset="0"/>
+              <a:cs typeface="Segoe UI" panose="020B0502040204020203" pitchFamily="34" charset="0"/>
+            </a:endParaRPr>
+          </a:p>
+          <a:p>
+            <a:pPr lvl="1">
+              <a:buFont typeface="Wingdings" panose="05000000000000000000" pitchFamily="2" charset="2"/>
+              <a:buChar char="Ø"/>
+            </a:pPr>
+            <a:endParaRPr lang="en-US" b="1" dirty="0">
+              <a:latin typeface="Segoe UI" panose="020B0502040204020203" pitchFamily="34" charset="0"/>
+              <a:cs typeface="Segoe UI" panose="020B0502040204020203" pitchFamily="34" charset="0"/>
+            </a:endParaRPr>
+          </a:p>
+          <a:p>
+            <a:pPr lvl="1">
+              <a:buFont typeface="Wingdings" panose="05000000000000000000" pitchFamily="2" charset="2"/>
+              <a:buChar char="Ø"/>
+            </a:pPr>
+            <a:endParaRPr lang="en-US" b="1" dirty="0">
+              <a:latin typeface="Segoe UI" panose="020B0502040204020203" pitchFamily="34" charset="0"/>
+              <a:cs typeface="Segoe UI" panose="020B0502040204020203" pitchFamily="34" charset="0"/>
+            </a:endParaRPr>
+          </a:p>
+          <a:p>
+            <a:pPr lvl="1">
+              <a:buFont typeface="Wingdings" panose="05000000000000000000" pitchFamily="2" charset="2"/>
+              <a:buChar char="Ø"/>
+            </a:pPr>
+            <a:endParaRPr lang="en-US" dirty="0">
+              <a:latin typeface="Segoe UI" panose="020B0502040204020203" pitchFamily="34" charset="0"/>
+              <a:cs typeface="Segoe UI" panose="020B0502040204020203" pitchFamily="34" charset="0"/>
+            </a:endParaRPr>
+          </a:p>
+          <a:p>
+            <a:pPr lvl="1">
+              <a:buFont typeface="Wingdings" panose="05000000000000000000" pitchFamily="2" charset="2"/>
+              <a:buChar char="Ø"/>
+            </a:pPr>
+            <a:endParaRPr lang="fr-CA" sz="1600" dirty="0">
+              <a:latin typeface="Segoe UI" panose="020B0502040204020203" pitchFamily="34" charset="0"/>
+              <a:cs typeface="Segoe UI" panose="020B0502040204020203" pitchFamily="34" charset="0"/>
+            </a:endParaRPr>
+          </a:p>
+        </p:txBody>
+      </p:sp>
+      <p:pic>
+        <p:nvPicPr>
+          <p:cNvPr id="4" name="Picture 3">
+            <a:extLst>
+              <a:ext uri="{FF2B5EF4-FFF2-40B4-BE49-F238E27FC236}">
+                <a16:creationId xmlns:a16="http://schemas.microsoft.com/office/drawing/2014/main" id="{1DB37DE9-B29E-4CB5-ADFE-5AF4559AFB78}"/>
+              </a:ext>
+            </a:extLst>
+          </p:cNvPr>
+          <p:cNvPicPr>
+            <a:picLocks noChangeAspect="1"/>
+          </p:cNvPicPr>
+          <p:nvPr/>
+        </p:nvPicPr>
+        <p:blipFill>
+          <a:blip r:embed="rId2">
+            <a:extLst>
+              <a:ext uri="{28A0092B-C50C-407E-A947-70E740481C1C}">
+                <a14:useLocalDpi xmlns:a14="http://schemas.microsoft.com/office/drawing/2010/main" val="0"/>
+              </a:ext>
+            </a:extLst>
+          </a:blip>
+          <a:stretch>
+            <a:fillRect/>
+          </a:stretch>
+        </p:blipFill>
+        <p:spPr>
+          <a:xfrm>
+            <a:off x="8932551" y="135276"/>
+            <a:ext cx="3077004" cy="5982535"/>
+          </a:xfrm>
+          <a:prstGeom prst="rect">
+            <a:avLst/>
+          </a:prstGeom>
+        </p:spPr>
+      </p:pic>
+    </p:spTree>
+    <p:extLst>
+      <p:ext uri="{BB962C8B-B14F-4D97-AF65-F5344CB8AC3E}">
+        <p14:creationId xmlns:p14="http://schemas.microsoft.com/office/powerpoint/2010/main" val="1909638389"/>
+      </p:ext>
+    </p:extLst>
+  </p:cSld>
+  <p:clrMapOvr>
+    <a:masterClrMapping/>
+  </p:clrMapOvr>
+  <mc:AlternateContent xmlns:mc="http://schemas.openxmlformats.org/markup-compatibility/2006" xmlns:p14="http://schemas.microsoft.com/office/powerpoint/2010/main">
+    <mc:Choice Requires="p14">
+      <p:transition spd="med" p14:dur="700">
+        <p:fade/>
+      </p:transition>
+    </mc:Choice>
+    <mc:Fallback xmlns="">
+      <p:transition spd="med">
+        <p:fade/>
+      </p:transition>
+    </mc:Fallback>
+  </mc:AlternateContent>
+</p:sld>
+</file>
+
+<file path=ppt/slides/slide11.xml><?xml version="1.0" encoding="utf-8"?>
+<p:sld xmlns:a="http://schemas.openxmlformats.org/drawingml/2006/main" xmlns:r="http://schemas.openxmlformats.org/officeDocument/2006/relationships" xmlns:p="http://schemas.openxmlformats.org/presentationml/2006/main">
+  <p:cSld>
+    <p:spTree>
+      <p:nvGrpSpPr>
+        <p:cNvPr id="1" name=""/>
+        <p:cNvGrpSpPr/>
+        <p:nvPr/>
+      </p:nvGrpSpPr>
+      <p:grpSpPr>
+        <a:xfrm>
+          <a:off x="0" y="0"/>
+          <a:ext cx="0" cy="0"/>
+          <a:chOff x="0" y="0"/>
+          <a:chExt cx="0" cy="0"/>
+        </a:xfrm>
+      </p:grpSpPr>
+      <p:sp>
+        <p:nvSpPr>
+          <p:cNvPr id="2" name="Titre 1">
+            <a:extLst>
+              <a:ext uri="{FF2B5EF4-FFF2-40B4-BE49-F238E27FC236}">
+                <a16:creationId xmlns:a16="http://schemas.microsoft.com/office/drawing/2014/main" id="{D8108596-E703-4258-9F8A-00DBFF71D638}"/>
+              </a:ext>
+            </a:extLst>
+          </p:cNvPr>
+          <p:cNvSpPr>
+            <a:spLocks noGrp="1"/>
+          </p:cNvSpPr>
+          <p:nvPr>
+            <p:ph type="title"/>
+          </p:nvPr>
+        </p:nvSpPr>
+        <p:spPr/>
+        <p:txBody>
+          <a:bodyPr/>
+          <a:lstStyle/>
+          <a:p>
+            <a:r>
+              <a:rPr lang="fr-CA" dirty="0" err="1"/>
+              <a:t>Demo</a:t>
+            </a:r>
+            <a:r>
+              <a:rPr lang="fr-CA" dirty="0"/>
+              <a:t> front end et backend</a:t>
+            </a:r>
+            <a:endParaRPr lang="fr-FR" dirty="0"/>
+          </a:p>
+        </p:txBody>
+      </p:sp>
+      <p:sp>
+        <p:nvSpPr>
+          <p:cNvPr id="3" name="Espace réservé du contenu 2">
+            <a:extLst>
+              <a:ext uri="{FF2B5EF4-FFF2-40B4-BE49-F238E27FC236}">
+                <a16:creationId xmlns:a16="http://schemas.microsoft.com/office/drawing/2014/main" id="{774E9549-9E81-47BA-98E6-3FA459515043}"/>
+              </a:ext>
+            </a:extLst>
+          </p:cNvPr>
+          <p:cNvSpPr>
+            <a:spLocks noGrp="1"/>
+          </p:cNvSpPr>
+          <p:nvPr>
+            <p:ph idx="1"/>
+          </p:nvPr>
+        </p:nvSpPr>
+        <p:spPr/>
+        <p:txBody>
+          <a:bodyPr/>
+          <a:lstStyle/>
+          <a:p>
+            <a:endParaRPr lang="fr-FR"/>
+          </a:p>
+        </p:txBody>
+      </p:sp>
+    </p:spTree>
+    <p:extLst>
+      <p:ext uri="{BB962C8B-B14F-4D97-AF65-F5344CB8AC3E}">
+        <p14:creationId xmlns:p14="http://schemas.microsoft.com/office/powerpoint/2010/main" val="1643933123"/>
+      </p:ext>
+    </p:extLst>
+  </p:cSld>
+  <p:clrMapOvr>
+    <a:masterClrMapping/>
+  </p:clrMapOvr>
+  <mc:AlternateContent xmlns:mc="http://schemas.openxmlformats.org/markup-compatibility/2006" xmlns:p14="http://schemas.microsoft.com/office/powerpoint/2010/main">
+    <mc:Choice Requires="p14">
+      <p:transition spd="med" p14:dur="700">
+        <p:fade/>
+      </p:transition>
+    </mc:Choice>
+    <mc:Fallback xmlns="">
+      <p:transition spd="med">
+        <p:fade/>
+      </p:transition>
+    </mc:Fallback>
+  </mc:AlternateContent>
+</p:sld>
+</file>
+
+<file path=ppt/slides/slide12.xml><?xml version="1.0" encoding="utf-8"?>
+<p:sld xmlns:a="http://schemas.openxmlformats.org/drawingml/2006/main" xmlns:r="http://schemas.openxmlformats.org/officeDocument/2006/relationships" xmlns:p="http://schemas.openxmlformats.org/presentationml/2006/main">
+  <p:cSld>
+    <p:spTree>
+      <p:nvGrpSpPr>
+        <p:cNvPr id="1" name=""/>
+        <p:cNvGrpSpPr/>
+        <p:nvPr/>
+      </p:nvGrpSpPr>
+      <p:grpSpPr>
+        <a:xfrm>
+          <a:off x="0" y="0"/>
+          <a:ext cx="0" cy="0"/>
+          <a:chOff x="0" y="0"/>
+          <a:chExt cx="0" cy="0"/>
+        </a:xfrm>
+      </p:grpSpPr>
+      <p:sp>
+        <p:nvSpPr>
+          <p:cNvPr id="2" name="Titre 1"/>
+          <p:cNvSpPr>
+            <a:spLocks noGrp="1"/>
+          </p:cNvSpPr>
+          <p:nvPr>
+            <p:ph type="title"/>
+          </p:nvPr>
+        </p:nvSpPr>
+        <p:spPr>
+          <a:xfrm>
+            <a:off x="1341120" y="791249"/>
+            <a:ext cx="9509760" cy="567767"/>
+          </a:xfrm>
+        </p:spPr>
+        <p:txBody>
+          <a:bodyPr>
+            <a:normAutofit/>
+          </a:bodyPr>
+          <a:lstStyle/>
+          <a:p>
+            <a:r>
+              <a:rPr lang="fr-CA" dirty="0">
+                <a:latin typeface="Segoe UI" panose="020B0502040204020203" pitchFamily="34" charset="0"/>
+                <a:cs typeface="Segoe UI" panose="020B0502040204020203" pitchFamily="34" charset="0"/>
+              </a:rPr>
+              <a:t>Merci !</a:t>
+            </a:r>
+            <a:endParaRPr lang="fr-FR" dirty="0">
+              <a:latin typeface="Segoe UI" panose="020B0502040204020203" pitchFamily="34" charset="0"/>
+              <a:cs typeface="Segoe UI" panose="020B0502040204020203" pitchFamily="34" charset="0"/>
+            </a:endParaRPr>
+          </a:p>
+        </p:txBody>
+      </p:sp>
+      <p:sp>
+        <p:nvSpPr>
+          <p:cNvPr id="5" name="Espace réservé du contenu 2"/>
+          <p:cNvSpPr>
+            <a:spLocks noGrp="1"/>
+          </p:cNvSpPr>
+          <p:nvPr>
+            <p:ph idx="1"/>
+          </p:nvPr>
+        </p:nvSpPr>
+        <p:spPr>
+          <a:xfrm>
+            <a:off x="1341120" y="1433654"/>
+            <a:ext cx="9509760" cy="4798469"/>
+          </a:xfrm>
+        </p:spPr>
+        <p:txBody>
+          <a:bodyPr>
+            <a:normAutofit/>
+          </a:bodyPr>
+          <a:lstStyle/>
+          <a:p>
+            <a:pPr marL="45720" indent="0">
+              <a:buNone/>
+            </a:pPr>
+            <a:endParaRPr lang="fr-CA" sz="1800" dirty="0">
+              <a:latin typeface="Segoe UI" panose="020B0502040204020203" pitchFamily="34" charset="0"/>
+              <a:cs typeface="Segoe UI" panose="020B0502040204020203" pitchFamily="34" charset="0"/>
+            </a:endParaRPr>
+          </a:p>
+          <a:p>
+            <a:pPr>
+              <a:buFont typeface="Wingdings" panose="05000000000000000000" pitchFamily="2" charset="2"/>
+              <a:buChar char="Ø"/>
+            </a:pPr>
+            <a:r>
+              <a:rPr lang="fr-FR" i="1" dirty="0">
+                <a:latin typeface="Segoe UI" panose="020B0502040204020203" pitchFamily="34" charset="0"/>
+                <a:cs typeface="Segoe UI" panose="020B0502040204020203" pitchFamily="34" charset="0"/>
+              </a:rPr>
+              <a:t>T</a:t>
+            </a:r>
+            <a:r>
+              <a:rPr lang="en-US" i="1" dirty="0">
+                <a:latin typeface="Segoe UI" panose="020B0502040204020203" pitchFamily="34" charset="0"/>
+                <a:cs typeface="Segoe UI" panose="020B0502040204020203" pitchFamily="34" charset="0"/>
+              </a:rPr>
+              <a:t>é</a:t>
+            </a:r>
+            <a:r>
+              <a:rPr lang="fr-FR" i="1" dirty="0">
+                <a:latin typeface="Segoe UI" panose="020B0502040204020203" pitchFamily="34" charset="0"/>
+                <a:cs typeface="Segoe UI" panose="020B0502040204020203" pitchFamily="34" charset="0"/>
+              </a:rPr>
+              <a:t>l</a:t>
+            </a:r>
+            <a:r>
+              <a:rPr lang="en-US" i="1" dirty="0">
+                <a:latin typeface="Segoe UI" panose="020B0502040204020203" pitchFamily="34" charset="0"/>
+                <a:cs typeface="Segoe UI" panose="020B0502040204020203" pitchFamily="34" charset="0"/>
+              </a:rPr>
+              <a:t>é</a:t>
+            </a:r>
+            <a:r>
+              <a:rPr lang="fr-FR" i="1" dirty="0">
+                <a:latin typeface="Segoe UI" panose="020B0502040204020203" pitchFamily="34" charset="0"/>
+                <a:cs typeface="Segoe UI" panose="020B0502040204020203" pitchFamily="34" charset="0"/>
+              </a:rPr>
+              <a:t>chargement des sources</a:t>
+            </a:r>
+          </a:p>
+          <a:p>
+            <a:pPr lvl="1">
+              <a:buFont typeface="Wingdings" panose="05000000000000000000" pitchFamily="2" charset="2"/>
+              <a:buChar char="Ø"/>
+            </a:pPr>
+            <a:r>
+              <a:rPr lang="fr-FR" dirty="0">
+                <a:latin typeface="Segoe UI" panose="020B0502040204020203" pitchFamily="34" charset="0"/>
+                <a:cs typeface="Segoe UI" panose="020B0502040204020203" pitchFamily="34" charset="0"/>
+                <a:hlinkClick r:id="rId2"/>
+              </a:rPr>
+              <a:t>https://github.com/AnthonyGiretti/Angular5-RealTime-gauges-with-SignalR-Core-EFCore2</a:t>
+            </a:r>
+            <a:endParaRPr lang="fr-FR" dirty="0">
+              <a:latin typeface="Segoe UI" panose="020B0502040204020203" pitchFamily="34" charset="0"/>
+              <a:cs typeface="Segoe UI" panose="020B0502040204020203" pitchFamily="34" charset="0"/>
+            </a:endParaRPr>
+          </a:p>
+          <a:p>
+            <a:pPr>
+              <a:buFont typeface="Wingdings" panose="05000000000000000000" pitchFamily="2" charset="2"/>
+              <a:buChar char="Ø"/>
+            </a:pPr>
+            <a:r>
+              <a:rPr lang="fr-FR" i="1" dirty="0">
+                <a:latin typeface="Segoe UI" panose="020B0502040204020203" pitchFamily="34" charset="0"/>
+                <a:cs typeface="Segoe UI" panose="020B0502040204020203" pitchFamily="34" charset="0"/>
+              </a:rPr>
+              <a:t>Articles de blog</a:t>
+            </a:r>
+          </a:p>
+          <a:p>
+            <a:pPr lvl="1">
+              <a:buFont typeface="Wingdings" panose="05000000000000000000" pitchFamily="2" charset="2"/>
+              <a:buChar char="Ø"/>
+            </a:pPr>
+            <a:r>
+              <a:rPr lang="fr-FR" dirty="0">
+                <a:latin typeface="Segoe UI" panose="020B0502040204020203" pitchFamily="34" charset="0"/>
+                <a:cs typeface="Segoe UI" panose="020B0502040204020203" pitchFamily="34" charset="0"/>
+                <a:hlinkClick r:id="rId3"/>
+              </a:rPr>
+              <a:t>http://anthonygiretti.com/2017/12/31/building-real-time-charts-with-angular-5-google-charts-signalr-core-net-core-2-entity-framework-core-2-and-sqltable-dependency-part-1/</a:t>
+            </a:r>
+            <a:endParaRPr lang="fr-FR" dirty="0">
+              <a:latin typeface="Segoe UI" panose="020B0502040204020203" pitchFamily="34" charset="0"/>
+              <a:cs typeface="Segoe UI" panose="020B0502040204020203" pitchFamily="34" charset="0"/>
+            </a:endParaRPr>
+          </a:p>
+          <a:p>
+            <a:pPr lvl="1">
+              <a:buFont typeface="Wingdings" panose="05000000000000000000" pitchFamily="2" charset="2"/>
+              <a:buChar char="Ø"/>
+            </a:pPr>
+            <a:r>
+              <a:rPr lang="fr-FR" dirty="0">
+                <a:latin typeface="Segoe UI" panose="020B0502040204020203" pitchFamily="34" charset="0"/>
+                <a:cs typeface="Segoe UI" panose="020B0502040204020203" pitchFamily="34" charset="0"/>
+                <a:hlinkClick r:id="rId4"/>
+              </a:rPr>
+              <a:t>http://anthonygiretti.com/2017/12/31/building-real-time-charts-with-angular-5-google-charts-signalr-core-net-core-2-entity-framework-core-2-and-sqltable-dependency-part-2/</a:t>
+            </a:r>
+            <a:endParaRPr lang="fr-FR" dirty="0">
+              <a:latin typeface="Segoe UI" panose="020B0502040204020203" pitchFamily="34" charset="0"/>
+              <a:cs typeface="Segoe UI" panose="020B0502040204020203" pitchFamily="34" charset="0"/>
+            </a:endParaRPr>
+          </a:p>
+          <a:p>
+            <a:pPr lvl="1">
+              <a:buFont typeface="Wingdings" panose="05000000000000000000" pitchFamily="2" charset="2"/>
+              <a:buChar char="Ø"/>
+            </a:pPr>
+            <a:r>
+              <a:rPr lang="fr-FR" dirty="0">
+                <a:latin typeface="Segoe UI" panose="020B0502040204020203" pitchFamily="34" charset="0"/>
+                <a:cs typeface="Segoe UI" panose="020B0502040204020203" pitchFamily="34" charset="0"/>
+                <a:hlinkClick r:id="rId3"/>
+              </a:rPr>
+              <a:t>http://anthonygiretti.com/2017/12/31/building-real-time-charts-with-angular-5-google-charts-signalr-core-net-core-2-entity-framework-core-2-and-sqltable-dependency-part-3/</a:t>
+            </a:r>
+            <a:endParaRPr lang="fr-FR" dirty="0">
+              <a:latin typeface="Segoe UI" panose="020B0502040204020203" pitchFamily="34" charset="0"/>
+              <a:cs typeface="Segoe UI" panose="020B0502040204020203" pitchFamily="34" charset="0"/>
+            </a:endParaRPr>
+          </a:p>
+          <a:p>
+            <a:pPr>
+              <a:buFont typeface="Wingdings" panose="05000000000000000000" pitchFamily="2" charset="2"/>
+              <a:buChar char="Ø"/>
+            </a:pPr>
+            <a:endParaRPr lang="fr-FR" b="1" dirty="0">
+              <a:latin typeface="Segoe UI" panose="020B0502040204020203" pitchFamily="34" charset="0"/>
+              <a:cs typeface="Segoe UI" panose="020B0502040204020203" pitchFamily="34" charset="0"/>
+            </a:endParaRPr>
+          </a:p>
+          <a:p>
+            <a:pPr>
+              <a:buFont typeface="Wingdings" panose="05000000000000000000" pitchFamily="2" charset="2"/>
+              <a:buChar char="Ø"/>
+            </a:pPr>
+            <a:endParaRPr lang="fr-FR" b="1" dirty="0">
+              <a:latin typeface="Segoe UI" panose="020B0502040204020203" pitchFamily="34" charset="0"/>
+              <a:cs typeface="Segoe UI" panose="020B0502040204020203" pitchFamily="34" charset="0"/>
+            </a:endParaRPr>
+          </a:p>
+          <a:p>
+            <a:pPr>
+              <a:buFont typeface="Wingdings" panose="05000000000000000000" pitchFamily="2" charset="2"/>
+              <a:buChar char="Ø"/>
+            </a:pPr>
+            <a:endParaRPr lang="fr-FR" b="1" dirty="0">
+              <a:latin typeface="Segoe UI" panose="020B0502040204020203" pitchFamily="34" charset="0"/>
+              <a:cs typeface="Segoe UI" panose="020B0502040204020203" pitchFamily="34" charset="0"/>
+            </a:endParaRPr>
+          </a:p>
+          <a:p>
+            <a:pPr marL="365760" lvl="1" indent="0">
+              <a:buNone/>
+            </a:pPr>
+            <a:endParaRPr lang="en-US" dirty="0">
+              <a:latin typeface="Segoe UI" panose="020B0502040204020203" pitchFamily="34" charset="0"/>
+              <a:cs typeface="Segoe UI" panose="020B0502040204020203" pitchFamily="34" charset="0"/>
+            </a:endParaRPr>
+          </a:p>
+          <a:p>
+            <a:pPr lvl="1">
+              <a:buFont typeface="Wingdings" panose="05000000000000000000" pitchFamily="2" charset="2"/>
+              <a:buChar char="Ø"/>
+            </a:pPr>
+            <a:endParaRPr lang="en-US" dirty="0">
+              <a:latin typeface="Segoe UI" panose="020B0502040204020203" pitchFamily="34" charset="0"/>
+              <a:cs typeface="Segoe UI" panose="020B0502040204020203" pitchFamily="34" charset="0"/>
+            </a:endParaRPr>
+          </a:p>
+          <a:p>
+            <a:pPr lvl="1">
+              <a:buFont typeface="Wingdings" panose="05000000000000000000" pitchFamily="2" charset="2"/>
+              <a:buChar char="Ø"/>
+            </a:pPr>
+            <a:endParaRPr lang="en-US" b="1" dirty="0">
+              <a:latin typeface="Segoe UI" panose="020B0502040204020203" pitchFamily="34" charset="0"/>
+              <a:cs typeface="Segoe UI" panose="020B0502040204020203" pitchFamily="34" charset="0"/>
+            </a:endParaRPr>
+          </a:p>
+          <a:p>
+            <a:pPr lvl="1">
+              <a:buFont typeface="Wingdings" panose="05000000000000000000" pitchFamily="2" charset="2"/>
+              <a:buChar char="Ø"/>
+            </a:pPr>
+            <a:endParaRPr lang="en-US" b="1" dirty="0">
+              <a:latin typeface="Segoe UI" panose="020B0502040204020203" pitchFamily="34" charset="0"/>
+              <a:cs typeface="Segoe UI" panose="020B0502040204020203" pitchFamily="34" charset="0"/>
+            </a:endParaRPr>
+          </a:p>
+          <a:p>
+            <a:pPr lvl="1">
+              <a:buFont typeface="Wingdings" panose="05000000000000000000" pitchFamily="2" charset="2"/>
+              <a:buChar char="Ø"/>
+            </a:pPr>
+            <a:endParaRPr lang="en-US" dirty="0">
+              <a:latin typeface="Segoe UI" panose="020B0502040204020203" pitchFamily="34" charset="0"/>
+              <a:cs typeface="Segoe UI" panose="020B0502040204020203" pitchFamily="34" charset="0"/>
+            </a:endParaRPr>
+          </a:p>
+          <a:p>
+            <a:pPr lvl="1">
+              <a:buFont typeface="Wingdings" panose="05000000000000000000" pitchFamily="2" charset="2"/>
+              <a:buChar char="Ø"/>
+            </a:pPr>
+            <a:endParaRPr lang="fr-CA" sz="1600" dirty="0">
+              <a:latin typeface="Segoe UI" panose="020B0502040204020203" pitchFamily="34" charset="0"/>
+              <a:cs typeface="Segoe UI" panose="020B0502040204020203" pitchFamily="34" charset="0"/>
+            </a:endParaRPr>
+          </a:p>
+        </p:txBody>
+      </p:sp>
+    </p:spTree>
+    <p:extLst>
+      <p:ext uri="{BB962C8B-B14F-4D97-AF65-F5344CB8AC3E}">
+        <p14:creationId xmlns:p14="http://schemas.microsoft.com/office/powerpoint/2010/main" val="2697880493"/>
       </p:ext>
     </p:extLst>
   </p:cSld>
